--- a/slides/SGL&NCL(2021-SIGIR&2022-WWW)-20220324.pptx
+++ b/slides/SGL&NCL(2021-SIGIR&2022-WWW)-20220324.pptx
@@ -218,7 +218,7 @@
           <a:p>
             <a:fld id="{07C779B5-E688-4C02-A8FA-0A4642362005}" type="datetimeFigureOut">
               <a:rPr lang="zh-CN" altLang="en-US" smtClean="0"/>
-              <a:t>2022/4/29</a:t>
+              <a:t>2022/6/15</a:t>
             </a:fld>
             <a:endParaRPr lang="zh-CN" altLang="en-US"/>
           </a:p>
@@ -10902,7 +10902,7 @@
           <a:graphicData uri="http://schemas.openxmlformats.org/presentationml/2006/ole">
             <mc:AlternateContent xmlns:mc="http://schemas.openxmlformats.org/markup-compatibility/2006">
               <mc:Choice xmlns:v="urn:schemas-microsoft-com:vml" Requires="v">
-                <p:oleObj spid="_x0000_s1074" name="Equation" r:id="rId4" imgW="1358640" imgH="1054080" progId="Equation.DSMT4">
+                <p:oleObj spid="_x0000_s1077" name="Equation" r:id="rId4" imgW="1358640" imgH="1054080" progId="Equation.DSMT4">
                   <p:embed/>
                 </p:oleObj>
               </mc:Choice>
@@ -22083,7 +22083,7 @@
         </p:blipFill>
         <p:spPr>
           <a:xfrm>
-            <a:off x="1347366" y="1607107"/>
+            <a:off x="1347366" y="1450827"/>
             <a:ext cx="7676340" cy="5004521"/>
           </a:xfrm>
           <a:prstGeom prst="rect">
